--- a/presentation/flow.pptx
+++ b/presentation/flow.pptx
@@ -5,20 +5,19 @@
     <p:sldMasterId id="2147483648" r:id="rId1"/>
   </p:sldMasterIdLst>
   <p:notesMasterIdLst>
-    <p:notesMasterId r:id="rId10"/>
+    <p:notesMasterId r:id="rId9"/>
   </p:notesMasterIdLst>
   <p:handoutMasterIdLst>
-    <p:handoutMasterId r:id="rId11"/>
+    <p:handoutMasterId r:id="rId10"/>
   </p:handoutMasterIdLst>
   <p:sldIdLst>
     <p:sldId id="271" r:id="rId2"/>
     <p:sldId id="272" r:id="rId3"/>
     <p:sldId id="276" r:id="rId4"/>
-    <p:sldId id="277" r:id="rId5"/>
-    <p:sldId id="279" r:id="rId6"/>
-    <p:sldId id="283" r:id="rId7"/>
-    <p:sldId id="282" r:id="rId8"/>
-    <p:sldId id="281" r:id="rId9"/>
+    <p:sldId id="279" r:id="rId5"/>
+    <p:sldId id="283" r:id="rId6"/>
+    <p:sldId id="282" r:id="rId7"/>
+    <p:sldId id="281" r:id="rId8"/>
   </p:sldIdLst>
   <p:sldSz cx="9144000" cy="6858000" type="screen4x3"/>
   <p:notesSz cx="6858000" cy="9144000"/>
@@ -1350,41 +1349,7 @@
                 <a:ea typeface="+mj-ea"/>
                 <a:cs typeface="+mj-cs"/>
               </a:rPr>
-              <a:t>The future of </a:t>
-            </a:r>
-            <a:r>
-              <a:rPr kumimoji="0" lang="en-US" sz="6600" b="1" i="0" u="none" strike="noStrike" kern="1200" cap="all" spc="0" normalizeH="0" baseline="0" noProof="0" dirty="0" smtClean="0">
-                <a:ln>
-                  <a:noFill/>
-                </a:ln>
-                <a:solidFill>
-                  <a:srgbClr val="60B9DF"/>
-                </a:solidFill>
-                <a:effectLst/>
-                <a:uLnTx/>
-                <a:uFillTx/>
-                <a:latin typeface="nevis"/>
-                <a:ea typeface="+mj-ea"/>
-                <a:cs typeface="+mj-cs"/>
-              </a:rPr>
-              <a:t>presenting </a:t>
-            </a:r>
-            <a:r>
-              <a:rPr kumimoji="0" lang="en-US" sz="6600" b="1" i="0" u="none" strike="noStrike" kern="1200" cap="all" spc="0" normalizeH="0" baseline="0" noProof="0" dirty="0" smtClean="0">
-                <a:ln>
-                  <a:noFill/>
-                </a:ln>
-                <a:solidFill>
-                  <a:srgbClr val="60B9DF"/>
-                </a:solidFill>
-                <a:effectLst/>
-                <a:uLnTx/>
-                <a:uFillTx/>
-                <a:latin typeface="nevis"/>
-                <a:ea typeface="+mj-ea"/>
-                <a:cs typeface="+mj-cs"/>
-              </a:rPr>
-              <a:t>starts here.</a:t>
+              <a:t>The future of presenting starts here.</a:t>
             </a:r>
             <a:endParaRPr kumimoji="0" lang="en-US" sz="6600" b="1" i="0" u="none" strike="noStrike" kern="1200" cap="all" spc="0" normalizeH="0" baseline="0" noProof="0" dirty="0">
               <a:ln>
@@ -1860,14 +1825,407 @@
       </p:grpSpPr>
       <p:sp>
         <p:nvSpPr>
-          <p:cNvPr id="2" name="Rectangle 1"/>
+          <p:cNvPr id="2" name="Title Placeholder 1"/>
+          <p:cNvSpPr txBox="1">
+            <a:spLocks/>
+          </p:cNvSpPr>
+          <p:nvPr/>
+        </p:nvSpPr>
+        <p:spPr>
+          <a:xfrm>
+            <a:off x="457200" y="304800"/>
+            <a:ext cx="8077200" cy="762000"/>
+          </a:xfrm>
+          <a:prstGeom prst="rect">
+            <a:avLst/>
+          </a:prstGeom>
+        </p:spPr>
+        <p:txBody>
+          <a:bodyPr vert="horz" wrap="square" lIns="91440" tIns="45720" rIns="91440" bIns="45720" rtlCol="0" anchor="t">
+            <a:noAutofit/>
+          </a:bodyPr>
+          <a:lstStyle/>
+          <a:p>
+            <a:pPr marL="0" marR="0" lvl="0" indent="0" algn="l" defTabSz="457200" rtl="0" eaLnBrk="1" fontAlgn="auto" latinLnBrk="0" hangingPunct="1">
+              <a:lnSpc>
+                <a:spcPts val="6120"/>
+              </a:lnSpc>
+              <a:buClrTx/>
+              <a:buSzTx/>
+              <a:buFontTx/>
+              <a:buNone/>
+              <a:tabLst/>
+              <a:defRPr/>
+            </a:pPr>
+            <a:r>
+              <a:rPr lang="en-US" sz="4800" b="1" cap="all" dirty="0" smtClean="0">
+                <a:solidFill>
+                  <a:srgbClr val="60B9DF"/>
+                </a:solidFill>
+                <a:latin typeface="nevis"/>
+                <a:ea typeface="+mj-ea"/>
+                <a:cs typeface="+mj-cs"/>
+              </a:rPr>
+              <a:t>A </a:t>
+            </a:r>
+            <a:r>
+              <a:rPr kumimoji="0" lang="en-US" sz="4800" b="1" i="0" u="none" strike="noStrike" kern="1200" cap="all" spc="0" normalizeH="0" baseline="0" noProof="0" dirty="0" smtClean="0">
+                <a:ln>
+                  <a:noFill/>
+                </a:ln>
+                <a:solidFill>
+                  <a:srgbClr val="60B9DF"/>
+                </a:solidFill>
+                <a:effectLst/>
+                <a:uLnTx/>
+                <a:uFillTx/>
+                <a:latin typeface="nevis"/>
+                <a:ea typeface="+mj-ea"/>
+                <a:cs typeface="+mj-cs"/>
+              </a:rPr>
+              <a:t>Case study</a:t>
+            </a:r>
+            <a:endParaRPr kumimoji="0" lang="en-US" sz="4800" b="1" i="0" u="none" strike="noStrike" kern="1200" cap="all" spc="0" normalizeH="0" baseline="0" noProof="0" dirty="0">
+              <a:ln>
+                <a:noFill/>
+              </a:ln>
+              <a:solidFill>
+                <a:srgbClr val="60B9DF"/>
+              </a:solidFill>
+              <a:effectLst/>
+              <a:uLnTx/>
+              <a:uFillTx/>
+              <a:latin typeface="nevis"/>
+              <a:ea typeface="+mj-ea"/>
+              <a:cs typeface="+mj-cs"/>
+            </a:endParaRPr>
+          </a:p>
+        </p:txBody>
+      </p:sp>
+      <p:sp>
+        <p:nvSpPr>
+          <p:cNvPr id="4" name="Rectangle 3"/>
           <p:cNvSpPr/>
           <p:nvPr/>
         </p:nvSpPr>
         <p:spPr>
           <a:xfrm>
-            <a:off x="558000" y="558000"/>
-            <a:ext cx="8001000" cy="5029200"/>
+            <a:off x="609600" y="1468800"/>
+            <a:ext cx="2376000" cy="360000"/>
+          </a:xfrm>
+          <a:prstGeom prst="rect">
+            <a:avLst/>
+          </a:prstGeom>
+          <a:solidFill>
+            <a:srgbClr val="62BADF"/>
+          </a:solidFill>
+          <a:ln>
+            <a:noFill/>
+          </a:ln>
+          <a:effectLst/>
+        </p:spPr>
+        <p:style>
+          <a:lnRef idx="1">
+            <a:schemeClr val="accent1"/>
+          </a:lnRef>
+          <a:fillRef idx="3">
+            <a:schemeClr val="accent1"/>
+          </a:fillRef>
+          <a:effectRef idx="2">
+            <a:schemeClr val="accent1"/>
+          </a:effectRef>
+          <a:fontRef idx="minor">
+            <a:schemeClr val="lt1"/>
+          </a:fontRef>
+        </p:style>
+        <p:txBody>
+          <a:bodyPr rtlCol="0" anchor="ctr"/>
+          <a:lstStyle/>
+          <a:p>
+            <a:r>
+              <a:rPr lang="en-US" sz="1200" dirty="0" smtClean="0">
+                <a:latin typeface="nevis Bold"/>
+                <a:cs typeface="nevis Bold"/>
+              </a:rPr>
+              <a:t>USE CASE</a:t>
+            </a:r>
+            <a:endParaRPr lang="en-US" sz="1200" dirty="0">
+              <a:latin typeface="nevis Bold"/>
+              <a:cs typeface="nevis Bold"/>
+            </a:endParaRPr>
+          </a:p>
+        </p:txBody>
+      </p:sp>
+      <p:sp>
+        <p:nvSpPr>
+          <p:cNvPr id="5" name="Rectangle 4"/>
+          <p:cNvSpPr/>
+          <p:nvPr/>
+        </p:nvSpPr>
+        <p:spPr>
+          <a:xfrm>
+            <a:off x="609600" y="2362200"/>
+            <a:ext cx="2376000" cy="360000"/>
+          </a:xfrm>
+          <a:prstGeom prst="rect">
+            <a:avLst/>
+          </a:prstGeom>
+          <a:solidFill>
+            <a:srgbClr val="62BADF"/>
+          </a:solidFill>
+          <a:ln>
+            <a:noFill/>
+          </a:ln>
+          <a:effectLst/>
+        </p:spPr>
+        <p:style>
+          <a:lnRef idx="1">
+            <a:schemeClr val="accent1"/>
+          </a:lnRef>
+          <a:fillRef idx="3">
+            <a:schemeClr val="accent1"/>
+          </a:fillRef>
+          <a:effectRef idx="2">
+            <a:schemeClr val="accent1"/>
+          </a:effectRef>
+          <a:fontRef idx="minor">
+            <a:schemeClr val="lt1"/>
+          </a:fontRef>
+        </p:style>
+        <p:txBody>
+          <a:bodyPr rtlCol="0" anchor="ctr"/>
+          <a:lstStyle/>
+          <a:p>
+            <a:r>
+              <a:rPr lang="en-US" sz="1200" dirty="0" smtClean="0">
+                <a:latin typeface="nevis Bold"/>
+                <a:cs typeface="nevis Bold"/>
+              </a:rPr>
+              <a:t>TODAY</a:t>
+            </a:r>
+            <a:endParaRPr lang="en-US" sz="1200" dirty="0">
+              <a:latin typeface="nevis Bold"/>
+              <a:cs typeface="nevis Bold"/>
+            </a:endParaRPr>
+          </a:p>
+        </p:txBody>
+      </p:sp>
+      <p:sp>
+        <p:nvSpPr>
+          <p:cNvPr id="6" name="Rectangle 5"/>
+          <p:cNvSpPr/>
+          <p:nvPr/>
+        </p:nvSpPr>
+        <p:spPr>
+          <a:xfrm>
+            <a:off x="609600" y="3602400"/>
+            <a:ext cx="2376000" cy="360000"/>
+          </a:xfrm>
+          <a:prstGeom prst="rect">
+            <a:avLst/>
+          </a:prstGeom>
+          <a:solidFill>
+            <a:srgbClr val="62BADF"/>
+          </a:solidFill>
+          <a:ln>
+            <a:noFill/>
+          </a:ln>
+          <a:effectLst/>
+        </p:spPr>
+        <p:style>
+          <a:lnRef idx="1">
+            <a:schemeClr val="accent1"/>
+          </a:lnRef>
+          <a:fillRef idx="3">
+            <a:schemeClr val="accent1"/>
+          </a:fillRef>
+          <a:effectRef idx="2">
+            <a:schemeClr val="accent1"/>
+          </a:effectRef>
+          <a:fontRef idx="minor">
+            <a:schemeClr val="lt1"/>
+          </a:fontRef>
+        </p:style>
+        <p:txBody>
+          <a:bodyPr rtlCol="0" anchor="ctr"/>
+          <a:lstStyle/>
+          <a:p>
+            <a:r>
+              <a:rPr lang="en-US" sz="1200" dirty="0" smtClean="0">
+                <a:latin typeface="nevis Bold"/>
+                <a:cs typeface="nevis Bold"/>
+              </a:rPr>
+              <a:t>NEXT GEN</a:t>
+            </a:r>
+            <a:endParaRPr lang="en-US" sz="1200" dirty="0">
+              <a:latin typeface="nevis Bold"/>
+              <a:cs typeface="nevis Bold"/>
+            </a:endParaRPr>
+          </a:p>
+        </p:txBody>
+      </p:sp>
+      <p:sp>
+        <p:nvSpPr>
+          <p:cNvPr id="7" name="TextBox 6"/>
+          <p:cNvSpPr txBox="1"/>
+          <p:nvPr/>
+        </p:nvSpPr>
+        <p:spPr>
+          <a:xfrm>
+            <a:off x="533400" y="1828800"/>
+            <a:ext cx="2595600" cy="457200"/>
+          </a:xfrm>
+          <a:prstGeom prst="rect">
+            <a:avLst/>
+          </a:prstGeom>
+        </p:spPr>
+        <p:txBody>
+          <a:bodyPr vert="horz" wrap="square" lIns="91440" tIns="45720" rIns="91440" bIns="45720" rtlCol="0" anchor="t">
+            <a:noAutofit/>
+          </a:bodyPr>
+          <a:lstStyle/>
+          <a:p>
+            <a:r>
+              <a:rPr lang="en-US" sz="1500" dirty="0" err="1" smtClean="0">
+                <a:latin typeface="Open Sans"/>
+                <a:ea typeface="+mj-ea"/>
+                <a:cs typeface="nevis"/>
+              </a:rPr>
+              <a:t>Hackathon</a:t>
+            </a:r>
+            <a:r>
+              <a:rPr lang="en-US" sz="1500" dirty="0" smtClean="0">
+                <a:latin typeface="Open Sans"/>
+                <a:ea typeface="+mj-ea"/>
+                <a:cs typeface="nevis"/>
+              </a:rPr>
+              <a:t> Presentation.</a:t>
+            </a:r>
+            <a:endParaRPr kumimoji="0" lang="en-US" sz="1500" i="0" u="none" strike="noStrike" kern="1200" spc="0" normalizeH="0" baseline="0" noProof="0" dirty="0" smtClean="0">
+              <a:ln>
+                <a:noFill/>
+              </a:ln>
+              <a:effectLst/>
+              <a:uLnTx/>
+              <a:uFillTx/>
+              <a:latin typeface="Open Sans"/>
+              <a:ea typeface="+mj-ea"/>
+              <a:cs typeface="nevis"/>
+            </a:endParaRPr>
+          </a:p>
+        </p:txBody>
+      </p:sp>
+      <p:sp>
+        <p:nvSpPr>
+          <p:cNvPr id="8" name="TextBox 7"/>
+          <p:cNvSpPr txBox="1"/>
+          <p:nvPr/>
+        </p:nvSpPr>
+        <p:spPr>
+          <a:xfrm>
+            <a:off x="533400" y="2743200"/>
+            <a:ext cx="2595600" cy="804000"/>
+          </a:xfrm>
+          <a:prstGeom prst="rect">
+            <a:avLst/>
+          </a:prstGeom>
+        </p:spPr>
+        <p:txBody>
+          <a:bodyPr vert="horz" wrap="square" lIns="91440" tIns="45720" rIns="91440" bIns="45720" rtlCol="0" anchor="t">
+            <a:noAutofit/>
+          </a:bodyPr>
+          <a:lstStyle/>
+          <a:p>
+            <a:pPr>
+              <a:lnSpc>
+                <a:spcPts val="1800"/>
+              </a:lnSpc>
+            </a:pPr>
+            <a:r>
+              <a:rPr lang="en-US" sz="1500" dirty="0" smtClean="0">
+                <a:latin typeface="Open Sans"/>
+                <a:ea typeface="+mj-ea"/>
+                <a:cs typeface="nevis"/>
+              </a:rPr>
+              <a:t>Have to manually control a presentation while presenting.</a:t>
+            </a:r>
+            <a:endParaRPr kumimoji="0" lang="en-US" sz="1500" i="0" u="none" strike="noStrike" kern="1200" spc="0" normalizeH="0" baseline="0" noProof="0" dirty="0" smtClean="0">
+              <a:ln>
+                <a:noFill/>
+              </a:ln>
+              <a:effectLst/>
+              <a:uLnTx/>
+              <a:uFillTx/>
+              <a:latin typeface="Open Sans"/>
+              <a:ea typeface="+mj-ea"/>
+              <a:cs typeface="nevis"/>
+            </a:endParaRPr>
+          </a:p>
+        </p:txBody>
+      </p:sp>
+      <p:sp>
+        <p:nvSpPr>
+          <p:cNvPr id="9" name="TextBox 8"/>
+          <p:cNvSpPr txBox="1"/>
+          <p:nvPr/>
+        </p:nvSpPr>
+        <p:spPr>
+          <a:xfrm>
+            <a:off x="533400" y="3962400"/>
+            <a:ext cx="2595600" cy="1828800"/>
+          </a:xfrm>
+          <a:prstGeom prst="rect">
+            <a:avLst/>
+          </a:prstGeom>
+        </p:spPr>
+        <p:txBody>
+          <a:bodyPr vert="horz" wrap="square" lIns="91440" tIns="45720" rIns="91440" bIns="45720" rtlCol="0" anchor="t">
+            <a:noAutofit/>
+          </a:bodyPr>
+          <a:lstStyle/>
+          <a:p>
+            <a:pPr>
+              <a:lnSpc>
+                <a:spcPts val="1800"/>
+              </a:lnSpc>
+            </a:pPr>
+            <a:r>
+              <a:rPr lang="en-US" sz="1500" dirty="0" smtClean="0">
+                <a:latin typeface="Open Sans"/>
+                <a:ea typeface="+mj-ea"/>
+                <a:cs typeface="nevis"/>
+              </a:rPr>
+              <a:t>Use </a:t>
+            </a:r>
+            <a:r>
+              <a:rPr lang="en-US" sz="1500" dirty="0" err="1" smtClean="0">
+                <a:latin typeface="Open Sans"/>
+                <a:ea typeface="+mj-ea"/>
+                <a:cs typeface="nevis"/>
+              </a:rPr>
+              <a:t>wearables</a:t>
+            </a:r>
+            <a:r>
+              <a:rPr lang="en-US" sz="1500" dirty="0" smtClean="0">
+                <a:latin typeface="Open Sans"/>
+                <a:ea typeface="+mj-ea"/>
+                <a:cs typeface="nevis"/>
+              </a:rPr>
+              <a:t> to run the presentation using natural gestures.</a:t>
+            </a:r>
+          </a:p>
+        </p:txBody>
+      </p:sp>
+      <p:sp>
+        <p:nvSpPr>
+          <p:cNvPr id="10" name="Rectangle 9"/>
+          <p:cNvSpPr/>
+          <p:nvPr/>
+        </p:nvSpPr>
+        <p:spPr>
+          <a:xfrm>
+            <a:off x="3276600" y="1494000"/>
+            <a:ext cx="5257800" cy="4114800"/>
           </a:xfrm>
           <a:prstGeom prst="rect">
             <a:avLst/>
@@ -1915,7 +2273,7 @@
                 <a:latin typeface="nevis Bold"/>
                 <a:cs typeface="nevis Bold"/>
               </a:rPr>
-              <a:t>IDEA OR HERO IMAGE HERE</a:t>
+              <a:t>CASE STUDY HERO IMAGE</a:t>
             </a:r>
           </a:p>
           <a:p>
@@ -1925,7 +2283,7 @@
                 <a:latin typeface="nevis Bold"/>
                 <a:cs typeface="nevis Bold"/>
               </a:rPr>
-              <a:t>(876W X 553H)</a:t>
+              <a:t>(572W X 449H)</a:t>
             </a:r>
             <a:endParaRPr lang="en-US" sz="1400" dirty="0">
               <a:latin typeface="nevis Bold"/>
@@ -1950,8 +2308,8 @@
         </p:blipFill>
         <p:spPr>
           <a:xfrm>
-            <a:off x="558000" y="561857"/>
-            <a:ext cx="8001000" cy="4998929"/>
+            <a:off x="3302000" y="1532100"/>
+            <a:ext cx="5210199" cy="4051300"/>
           </a:xfrm>
           <a:prstGeom prst="rect">
             <a:avLst/>
@@ -2001,7 +2359,7 @@
         <p:spPr>
           <a:xfrm>
             <a:off x="457200" y="304800"/>
-            <a:ext cx="8077200" cy="762000"/>
+            <a:ext cx="8305800" cy="762000"/>
           </a:xfrm>
           <a:prstGeom prst="rect">
             <a:avLst/>
@@ -2025,7 +2383,7 @@
               <a:defRPr/>
             </a:pPr>
             <a:r>
-              <a:rPr lang="en-US" sz="4800" b="1" cap="all" dirty="0" smtClean="0">
+              <a:rPr lang="en-US" sz="4800" b="1" cap="all" noProof="0" dirty="0" smtClean="0">
                 <a:solidFill>
                   <a:srgbClr val="60B9DF"/>
                 </a:solidFill>
@@ -2033,24 +2391,7 @@
                 <a:ea typeface="+mj-ea"/>
                 <a:cs typeface="+mj-cs"/>
               </a:rPr>
-              <a:t>A </a:t>
-            </a:r>
-            <a:r>
-              <a:rPr kumimoji="0" lang="en-US" sz="4800" b="1" i="0" u="none" strike="noStrike" kern="1200" cap="all" spc="0" normalizeH="0" baseline="0" noProof="0" dirty="0" smtClean="0">
-                <a:ln>
-                  <a:noFill/>
-                </a:ln>
-                <a:solidFill>
-                  <a:srgbClr val="60B9DF"/>
-                </a:solidFill>
-                <a:effectLst/>
-                <a:uLnTx/>
-                <a:uFillTx/>
-                <a:latin typeface="nevis"/>
-                <a:ea typeface="+mj-ea"/>
-                <a:cs typeface="+mj-cs"/>
-              </a:rPr>
-              <a:t>Case study</a:t>
+              <a:t>GESTURE TRAINING</a:t>
             </a:r>
             <a:endParaRPr kumimoji="0" lang="en-US" sz="4800" b="1" i="0" u="none" strike="noStrike" kern="1200" cap="all" spc="0" normalizeH="0" baseline="0" noProof="0" dirty="0">
               <a:ln>
@@ -2071,349 +2412,14 @@
       </p:sp>
       <p:sp>
         <p:nvSpPr>
-          <p:cNvPr id="4" name="Rectangle 3"/>
-          <p:cNvSpPr/>
-          <p:nvPr/>
-        </p:nvSpPr>
-        <p:spPr>
-          <a:xfrm>
-            <a:off x="609600" y="1468800"/>
-            <a:ext cx="2376000" cy="360000"/>
-          </a:xfrm>
-          <a:prstGeom prst="rect">
-            <a:avLst/>
-          </a:prstGeom>
-          <a:solidFill>
-            <a:srgbClr val="62BADF"/>
-          </a:solidFill>
-          <a:ln>
-            <a:noFill/>
-          </a:ln>
-          <a:effectLst/>
-        </p:spPr>
-        <p:style>
-          <a:lnRef idx="1">
-            <a:schemeClr val="accent1"/>
-          </a:lnRef>
-          <a:fillRef idx="3">
-            <a:schemeClr val="accent1"/>
-          </a:fillRef>
-          <a:effectRef idx="2">
-            <a:schemeClr val="accent1"/>
-          </a:effectRef>
-          <a:fontRef idx="minor">
-            <a:schemeClr val="lt1"/>
-          </a:fontRef>
-        </p:style>
-        <p:txBody>
-          <a:bodyPr rtlCol="0" anchor="ctr"/>
-          <a:lstStyle/>
-          <a:p>
-            <a:r>
-              <a:rPr lang="en-US" sz="1200" dirty="0" smtClean="0">
-                <a:latin typeface="nevis Bold"/>
-                <a:cs typeface="nevis Bold"/>
-              </a:rPr>
-              <a:t>USE CASE</a:t>
-            </a:r>
-            <a:endParaRPr lang="en-US" sz="1200" dirty="0">
-              <a:latin typeface="nevis Bold"/>
-              <a:cs typeface="nevis Bold"/>
-            </a:endParaRPr>
-          </a:p>
-        </p:txBody>
-      </p:sp>
-      <p:sp>
-        <p:nvSpPr>
           <p:cNvPr id="5" name="Rectangle 4"/>
           <p:cNvSpPr/>
           <p:nvPr/>
         </p:nvSpPr>
         <p:spPr>
           <a:xfrm>
-            <a:off x="609600" y="2362200"/>
-            <a:ext cx="2376000" cy="360000"/>
-          </a:xfrm>
-          <a:prstGeom prst="rect">
-            <a:avLst/>
-          </a:prstGeom>
-          <a:solidFill>
-            <a:srgbClr val="62BADF"/>
-          </a:solidFill>
-          <a:ln>
-            <a:noFill/>
-          </a:ln>
-          <a:effectLst/>
-        </p:spPr>
-        <p:style>
-          <a:lnRef idx="1">
-            <a:schemeClr val="accent1"/>
-          </a:lnRef>
-          <a:fillRef idx="3">
-            <a:schemeClr val="accent1"/>
-          </a:fillRef>
-          <a:effectRef idx="2">
-            <a:schemeClr val="accent1"/>
-          </a:effectRef>
-          <a:fontRef idx="minor">
-            <a:schemeClr val="lt1"/>
-          </a:fontRef>
-        </p:style>
-        <p:txBody>
-          <a:bodyPr rtlCol="0" anchor="ctr"/>
-          <a:lstStyle/>
-          <a:p>
-            <a:r>
-              <a:rPr lang="en-US" sz="1200" dirty="0" smtClean="0">
-                <a:latin typeface="nevis Bold"/>
-                <a:cs typeface="nevis Bold"/>
-              </a:rPr>
-              <a:t>TODAY</a:t>
-            </a:r>
-            <a:endParaRPr lang="en-US" sz="1200" dirty="0">
-              <a:latin typeface="nevis Bold"/>
-              <a:cs typeface="nevis Bold"/>
-            </a:endParaRPr>
-          </a:p>
-        </p:txBody>
-      </p:sp>
-      <p:sp>
-        <p:nvSpPr>
-          <p:cNvPr id="6" name="Rectangle 5"/>
-          <p:cNvSpPr/>
-          <p:nvPr/>
-        </p:nvSpPr>
-        <p:spPr>
-          <a:xfrm>
-            <a:off x="609600" y="3602400"/>
-            <a:ext cx="2376000" cy="360000"/>
-          </a:xfrm>
-          <a:prstGeom prst="rect">
-            <a:avLst/>
-          </a:prstGeom>
-          <a:solidFill>
-            <a:srgbClr val="62BADF"/>
-          </a:solidFill>
-          <a:ln>
-            <a:noFill/>
-          </a:ln>
-          <a:effectLst/>
-        </p:spPr>
-        <p:style>
-          <a:lnRef idx="1">
-            <a:schemeClr val="accent1"/>
-          </a:lnRef>
-          <a:fillRef idx="3">
-            <a:schemeClr val="accent1"/>
-          </a:fillRef>
-          <a:effectRef idx="2">
-            <a:schemeClr val="accent1"/>
-          </a:effectRef>
-          <a:fontRef idx="minor">
-            <a:schemeClr val="lt1"/>
-          </a:fontRef>
-        </p:style>
-        <p:txBody>
-          <a:bodyPr rtlCol="0" anchor="ctr"/>
-          <a:lstStyle/>
-          <a:p>
-            <a:r>
-              <a:rPr lang="en-US" sz="1200" dirty="0" smtClean="0">
-                <a:latin typeface="nevis Bold"/>
-                <a:cs typeface="nevis Bold"/>
-              </a:rPr>
-              <a:t>NEXT GEN</a:t>
-            </a:r>
-            <a:endParaRPr lang="en-US" sz="1200" dirty="0">
-              <a:latin typeface="nevis Bold"/>
-              <a:cs typeface="nevis Bold"/>
-            </a:endParaRPr>
-          </a:p>
-        </p:txBody>
-      </p:sp>
-      <p:sp>
-        <p:nvSpPr>
-          <p:cNvPr id="7" name="TextBox 6"/>
-          <p:cNvSpPr txBox="1"/>
-          <p:nvPr/>
-        </p:nvSpPr>
-        <p:spPr>
-          <a:xfrm>
-            <a:off x="533400" y="1828800"/>
-            <a:ext cx="2595600" cy="457200"/>
-          </a:xfrm>
-          <a:prstGeom prst="rect">
-            <a:avLst/>
-          </a:prstGeom>
-        </p:spPr>
-        <p:txBody>
-          <a:bodyPr vert="horz" wrap="square" lIns="91440" tIns="45720" rIns="91440" bIns="45720" rtlCol="0" anchor="t">
-            <a:noAutofit/>
-          </a:bodyPr>
-          <a:lstStyle/>
-          <a:p>
-            <a:r>
-              <a:rPr lang="en-US" sz="1500" dirty="0" err="1" smtClean="0">
-                <a:latin typeface="Open Sans"/>
-                <a:ea typeface="+mj-ea"/>
-                <a:cs typeface="nevis"/>
-              </a:rPr>
-              <a:t>Hackathon</a:t>
-            </a:r>
-            <a:r>
-              <a:rPr lang="en-US" sz="1500" dirty="0" smtClean="0">
-                <a:latin typeface="Open Sans"/>
-                <a:ea typeface="+mj-ea"/>
-                <a:cs typeface="nevis"/>
-              </a:rPr>
-              <a:t> Presentation</a:t>
-            </a:r>
-            <a:r>
-              <a:rPr lang="en-US" sz="1500" dirty="0" smtClean="0">
-                <a:latin typeface="Open Sans"/>
-                <a:ea typeface="+mj-ea"/>
-                <a:cs typeface="nevis"/>
-              </a:rPr>
-              <a:t>.</a:t>
-            </a:r>
-            <a:endParaRPr kumimoji="0" lang="en-US" sz="1500" i="0" u="none" strike="noStrike" kern="1200" spc="0" normalizeH="0" baseline="0" noProof="0" dirty="0" smtClean="0">
-              <a:ln>
-                <a:noFill/>
-              </a:ln>
-              <a:effectLst/>
-              <a:uLnTx/>
-              <a:uFillTx/>
-              <a:latin typeface="Open Sans"/>
-              <a:ea typeface="+mj-ea"/>
-              <a:cs typeface="nevis"/>
-            </a:endParaRPr>
-          </a:p>
-        </p:txBody>
-      </p:sp>
-      <p:sp>
-        <p:nvSpPr>
-          <p:cNvPr id="8" name="TextBox 7"/>
-          <p:cNvSpPr txBox="1"/>
-          <p:nvPr/>
-        </p:nvSpPr>
-        <p:spPr>
-          <a:xfrm>
-            <a:off x="533400" y="2743200"/>
-            <a:ext cx="2595600" cy="804000"/>
-          </a:xfrm>
-          <a:prstGeom prst="rect">
-            <a:avLst/>
-          </a:prstGeom>
-        </p:spPr>
-        <p:txBody>
-          <a:bodyPr vert="horz" wrap="square" lIns="91440" tIns="45720" rIns="91440" bIns="45720" rtlCol="0" anchor="t">
-            <a:noAutofit/>
-          </a:bodyPr>
-          <a:lstStyle/>
-          <a:p>
-            <a:pPr>
-              <a:lnSpc>
-                <a:spcPts val="1800"/>
-              </a:lnSpc>
-            </a:pPr>
-            <a:r>
-              <a:rPr lang="en-US" sz="1500" dirty="0" smtClean="0">
-                <a:latin typeface="Open Sans"/>
-                <a:ea typeface="+mj-ea"/>
-                <a:cs typeface="nevis"/>
-              </a:rPr>
-              <a:t>Have to manually control a presentation while presenting</a:t>
-            </a:r>
-            <a:r>
-              <a:rPr lang="en-US" sz="1500" dirty="0" smtClean="0">
-                <a:latin typeface="Open Sans"/>
-                <a:ea typeface="+mj-ea"/>
-                <a:cs typeface="nevis"/>
-              </a:rPr>
-              <a:t>.</a:t>
-            </a:r>
-            <a:endParaRPr kumimoji="0" lang="en-US" sz="1500" i="0" u="none" strike="noStrike" kern="1200" spc="0" normalizeH="0" baseline="0" noProof="0" dirty="0" smtClean="0">
-              <a:ln>
-                <a:noFill/>
-              </a:ln>
-              <a:effectLst/>
-              <a:uLnTx/>
-              <a:uFillTx/>
-              <a:latin typeface="Open Sans"/>
-              <a:ea typeface="+mj-ea"/>
-              <a:cs typeface="nevis"/>
-            </a:endParaRPr>
-          </a:p>
-        </p:txBody>
-      </p:sp>
-      <p:sp>
-        <p:nvSpPr>
-          <p:cNvPr id="9" name="TextBox 8"/>
-          <p:cNvSpPr txBox="1"/>
-          <p:nvPr/>
-        </p:nvSpPr>
-        <p:spPr>
-          <a:xfrm>
-            <a:off x="533400" y="3962400"/>
-            <a:ext cx="2595600" cy="1828800"/>
-          </a:xfrm>
-          <a:prstGeom prst="rect">
-            <a:avLst/>
-          </a:prstGeom>
-        </p:spPr>
-        <p:txBody>
-          <a:bodyPr vert="horz" wrap="square" lIns="91440" tIns="45720" rIns="91440" bIns="45720" rtlCol="0" anchor="t">
-            <a:noAutofit/>
-          </a:bodyPr>
-          <a:lstStyle/>
-          <a:p>
-            <a:pPr>
-              <a:lnSpc>
-                <a:spcPts val="1800"/>
-              </a:lnSpc>
-            </a:pPr>
-            <a:r>
-              <a:rPr lang="en-US" sz="1500" dirty="0" smtClean="0">
-                <a:latin typeface="Open Sans"/>
-                <a:ea typeface="+mj-ea"/>
-                <a:cs typeface="nevis"/>
-              </a:rPr>
-              <a:t>Use </a:t>
-            </a:r>
-            <a:r>
-              <a:rPr lang="en-US" sz="1500" dirty="0" err="1" smtClean="0">
-                <a:latin typeface="Open Sans"/>
-                <a:ea typeface="+mj-ea"/>
-                <a:cs typeface="nevis"/>
-              </a:rPr>
-              <a:t>wearables</a:t>
-            </a:r>
-            <a:r>
-              <a:rPr lang="en-US" sz="1500" dirty="0" smtClean="0">
-                <a:latin typeface="Open Sans"/>
-                <a:ea typeface="+mj-ea"/>
-                <a:cs typeface="nevis"/>
-              </a:rPr>
-              <a:t> to run the presentation using natural gestures.</a:t>
-            </a:r>
-            <a:endParaRPr lang="en-US" sz="1500" dirty="0" smtClean="0">
-              <a:latin typeface="Open Sans"/>
-              <a:ea typeface="+mj-ea"/>
-              <a:cs typeface="nevis"/>
-            </a:endParaRPr>
-          </a:p>
-        </p:txBody>
-      </p:sp>
-      <p:sp>
-        <p:nvSpPr>
-          <p:cNvPr id="10" name="Rectangle 9"/>
-          <p:cNvSpPr/>
-          <p:nvPr/>
-        </p:nvSpPr>
-        <p:spPr>
-          <a:xfrm>
-            <a:off x="3276600" y="1494000"/>
-            <a:ext cx="5257800" cy="4114800"/>
+            <a:off x="457200" y="1494000"/>
+            <a:ext cx="8077200" cy="4025900"/>
           </a:xfrm>
           <a:prstGeom prst="rect">
             <a:avLst/>
@@ -2482,28 +2488,190 @@
       </p:sp>
       <p:pic>
         <p:nvPicPr>
-          <p:cNvPr id="3" name="Picture 2"/>
+          <p:cNvPr id="4" name="Picture 3" descr="Screen Shot 2015-01-10 at 3.19.06 PM.png"/>
           <p:cNvPicPr>
             <a:picLocks noChangeAspect="1"/>
           </p:cNvPicPr>
           <p:nvPr/>
         </p:nvPicPr>
         <p:blipFill>
-          <a:blip r:embed="rId2"/>
+          <a:blip r:embed="rId2">
+            <a:extLst>
+              <a:ext uri="{28A0092B-C50C-407E-A947-70E740481C1C}">
+                <a14:useLocalDpi xmlns:a14="http://schemas.microsoft.com/office/drawing/2010/main" val="0"/>
+              </a:ext>
+            </a:extLst>
+          </a:blip>
           <a:stretch>
             <a:fillRect/>
           </a:stretch>
         </p:blipFill>
         <p:spPr>
           <a:xfrm>
-            <a:off x="3302000" y="1532100"/>
-            <a:ext cx="5210199" cy="4051300"/>
+            <a:off x="482600" y="1524000"/>
+            <a:ext cx="8015825" cy="3995900"/>
           </a:xfrm>
           <a:prstGeom prst="rect">
             <a:avLst/>
           </a:prstGeom>
         </p:spPr>
       </p:pic>
+      <p:sp>
+        <p:nvSpPr>
+          <p:cNvPr id="8" name="Rounded Rectangle 7"/>
+          <p:cNvSpPr/>
+          <p:nvPr/>
+        </p:nvSpPr>
+        <p:spPr>
+          <a:xfrm>
+            <a:off x="622300" y="2540000"/>
+            <a:ext cx="3848100" cy="2590800"/>
+          </a:xfrm>
+          <a:prstGeom prst="roundRect">
+            <a:avLst/>
+          </a:prstGeom>
+          <a:noFill/>
+          <a:ln w="38100" cmpd="sng"/>
+        </p:spPr>
+        <p:style>
+          <a:lnRef idx="1">
+            <a:schemeClr val="accent1"/>
+          </a:lnRef>
+          <a:fillRef idx="3">
+            <a:schemeClr val="accent1"/>
+          </a:fillRef>
+          <a:effectRef idx="2">
+            <a:schemeClr val="accent1"/>
+          </a:effectRef>
+          <a:fontRef idx="minor">
+            <a:schemeClr val="lt1"/>
+          </a:fontRef>
+        </p:style>
+        <p:txBody>
+          <a:bodyPr rtlCol="0" anchor="ctr"/>
+          <a:lstStyle/>
+          <a:p>
+            <a:pPr algn="ctr"/>
+            <a:endParaRPr lang="en-US"/>
+          </a:p>
+        </p:txBody>
+      </p:sp>
+      <p:sp>
+        <p:nvSpPr>
+          <p:cNvPr id="9" name="Rounded Rectangle 8"/>
+          <p:cNvSpPr/>
+          <p:nvPr/>
+        </p:nvSpPr>
+        <p:spPr>
+          <a:xfrm>
+            <a:off x="4813300" y="1917700"/>
+            <a:ext cx="3340100" cy="2755900"/>
+          </a:xfrm>
+          <a:prstGeom prst="roundRect">
+            <a:avLst/>
+          </a:prstGeom>
+          <a:noFill/>
+          <a:ln w="38100" cmpd="sng">
+            <a:solidFill>
+              <a:srgbClr val="0000FF"/>
+            </a:solidFill>
+          </a:ln>
+        </p:spPr>
+        <p:style>
+          <a:lnRef idx="1">
+            <a:schemeClr val="accent1"/>
+          </a:lnRef>
+          <a:fillRef idx="3">
+            <a:schemeClr val="accent1"/>
+          </a:fillRef>
+          <a:effectRef idx="2">
+            <a:schemeClr val="accent1"/>
+          </a:effectRef>
+          <a:fontRef idx="minor">
+            <a:schemeClr val="lt1"/>
+          </a:fontRef>
+        </p:style>
+        <p:txBody>
+          <a:bodyPr rtlCol="0" anchor="ctr"/>
+          <a:lstStyle/>
+          <a:p>
+            <a:pPr algn="ctr"/>
+            <a:endParaRPr lang="en-US"/>
+          </a:p>
+        </p:txBody>
+      </p:sp>
+      <p:sp>
+        <p:nvSpPr>
+          <p:cNvPr id="10" name="TextBox 9"/>
+          <p:cNvSpPr txBox="1"/>
+          <p:nvPr/>
+        </p:nvSpPr>
+        <p:spPr>
+          <a:xfrm>
+            <a:off x="1778000" y="2184400"/>
+            <a:ext cx="1511300" cy="406400"/>
+          </a:xfrm>
+          <a:prstGeom prst="rect">
+            <a:avLst/>
+          </a:prstGeom>
+        </p:spPr>
+        <p:txBody>
+          <a:bodyPr vert="horz" wrap="none" lIns="91440" tIns="45720" rIns="91440" bIns="45720" rtlCol="0">
+            <a:normAutofit/>
+          </a:bodyPr>
+          <a:lstStyle/>
+          <a:p>
+            <a:pPr marL="342900" indent="-342900">
+              <a:spcBef>
+                <a:spcPct val="20000"/>
+              </a:spcBef>
+            </a:pPr>
+            <a:r>
+              <a:rPr lang="en-US" sz="1900" cap="all" dirty="0" smtClean="0">
+                <a:latin typeface="nevis Bold"/>
+                <a:cs typeface="nevis Bold"/>
+              </a:rPr>
+              <a:t>Action a</a:t>
+            </a:r>
+          </a:p>
+        </p:txBody>
+      </p:sp>
+      <p:sp>
+        <p:nvSpPr>
+          <p:cNvPr id="11" name="TextBox 10"/>
+          <p:cNvSpPr txBox="1"/>
+          <p:nvPr/>
+        </p:nvSpPr>
+        <p:spPr>
+          <a:xfrm>
+            <a:off x="5765800" y="1536700"/>
+            <a:ext cx="1511300" cy="406400"/>
+          </a:xfrm>
+          <a:prstGeom prst="rect">
+            <a:avLst/>
+          </a:prstGeom>
+        </p:spPr>
+        <p:txBody>
+          <a:bodyPr vert="horz" wrap="none" lIns="91440" tIns="45720" rIns="91440" bIns="45720" rtlCol="0">
+            <a:normAutofit/>
+          </a:bodyPr>
+          <a:lstStyle/>
+          <a:p>
+            <a:pPr marL="342900" indent="-342900">
+              <a:spcBef>
+                <a:spcPct val="20000"/>
+              </a:spcBef>
+            </a:pPr>
+            <a:r>
+              <a:rPr lang="en-US" sz="1900" cap="all" dirty="0" smtClean="0">
+                <a:latin typeface="nevis Bold"/>
+                <a:cs typeface="nevis Bold"/>
+              </a:rPr>
+              <a:t>Action B</a:t>
+            </a:r>
+          </a:p>
+        </p:txBody>
+      </p:sp>
     </p:spTree>
   </p:cSld>
   <p:clrMapOvr>
@@ -2579,7 +2747,7 @@
                 <a:ea typeface="+mj-ea"/>
                 <a:cs typeface="+mj-cs"/>
               </a:rPr>
-              <a:t>Graph example</a:t>
+              <a:t>Other Applications</a:t>
             </a:r>
             <a:endParaRPr kumimoji="0" lang="en-US" sz="4800" b="1" i="0" u="none" strike="noStrike" kern="1200" cap="all" spc="0" normalizeH="0" baseline="0" noProof="0" dirty="0">
               <a:ln>
@@ -2598,344 +2766,30 @@
           </a:p>
         </p:txBody>
       </p:sp>
-      <p:sp>
-        <p:nvSpPr>
-          <p:cNvPr id="3" name="Text Placeholder 2"/>
-          <p:cNvSpPr txBox="1">
-            <a:spLocks/>
-          </p:cNvSpPr>
-          <p:nvPr/>
-        </p:nvSpPr>
-        <p:spPr>
-          <a:xfrm>
-            <a:off x="457200" y="1066800"/>
-            <a:ext cx="8077200" cy="381000"/>
-          </a:xfrm>
-          <a:prstGeom prst="rect">
-            <a:avLst/>
-          </a:prstGeom>
-        </p:spPr>
-        <p:txBody>
-          <a:bodyPr vert="horz" lIns="91440" tIns="45720" rIns="91440" bIns="45720" rtlCol="0">
-            <a:normAutofit/>
-          </a:bodyPr>
-          <a:lstStyle/>
-          <a:p>
-            <a:pPr marL="342900" marR="0" lvl="0" indent="-342900" algn="l" defTabSz="457200" rtl="0" eaLnBrk="1" fontAlgn="auto" latinLnBrk="0" hangingPunct="1">
-              <a:lnSpc>
-                <a:spcPct val="100000"/>
-              </a:lnSpc>
-              <a:spcBef>
-                <a:spcPct val="20000"/>
-              </a:spcBef>
-              <a:spcAft>
-                <a:spcPts val="0"/>
-              </a:spcAft>
-              <a:buClrTx/>
-              <a:buSzTx/>
-              <a:buFontTx/>
-              <a:buNone/>
-              <a:tabLst/>
-              <a:defRPr/>
-            </a:pPr>
-            <a:r>
-              <a:rPr kumimoji="0" lang="en-US" sz="1900" b="0" i="0" u="none" strike="noStrike" kern="1200" cap="all" spc="0" normalizeH="0" baseline="0" noProof="0" dirty="0" smtClean="0">
-                <a:ln>
-                  <a:noFill/>
-                </a:ln>
-                <a:effectLst/>
-                <a:uLnTx/>
-                <a:uFillTx/>
-                <a:latin typeface="nevis Bold"/>
-                <a:ea typeface="+mn-ea"/>
-                <a:cs typeface="nevis Bold"/>
-              </a:rPr>
-              <a:t>A Sub header can go here</a:t>
-            </a:r>
-            <a:endParaRPr kumimoji="0" lang="en-US" sz="1900" b="0" i="0" u="none" strike="noStrike" kern="1200" cap="none" spc="0" normalizeH="0" baseline="0" noProof="0" dirty="0" smtClean="0">
-              <a:ln>
-                <a:noFill/>
-              </a:ln>
-              <a:effectLst/>
-              <a:uLnTx/>
-              <a:uFillTx/>
-              <a:latin typeface="Open Sans"/>
-              <a:ea typeface="+mn-ea"/>
-              <a:cs typeface="+mn-cs"/>
-            </a:endParaRPr>
-          </a:p>
-        </p:txBody>
-      </p:sp>
-      <p:sp>
-        <p:nvSpPr>
-          <p:cNvPr id="5" name="Rectangle 4"/>
-          <p:cNvSpPr/>
-          <p:nvPr/>
-        </p:nvSpPr>
-        <p:spPr>
-          <a:xfrm>
-            <a:off x="457200" y="1494000"/>
-            <a:ext cx="8077200" cy="4025900"/>
-          </a:xfrm>
-          <a:prstGeom prst="rect">
-            <a:avLst/>
-          </a:prstGeom>
-          <a:solidFill>
-            <a:schemeClr val="bg1">
-              <a:lumMod val="85000"/>
-            </a:schemeClr>
-          </a:solidFill>
-          <a:ln w="63500">
-            <a:solidFill>
-              <a:schemeClr val="bg1"/>
-            </a:solidFill>
-            <a:miter lim="800000"/>
-          </a:ln>
-          <a:effectLst>
-            <a:outerShdw blurRad="40000" dist="23000" dir="5400000" rotWithShape="0">
-              <a:srgbClr val="000000">
-                <a:alpha val="15000"/>
-              </a:srgbClr>
-            </a:outerShdw>
-          </a:effectLst>
-        </p:spPr>
-        <p:style>
-          <a:lnRef idx="1">
-            <a:schemeClr val="accent1"/>
-          </a:lnRef>
-          <a:fillRef idx="3">
-            <a:schemeClr val="accent1"/>
-          </a:fillRef>
-          <a:effectRef idx="2">
-            <a:schemeClr val="accent1"/>
-          </a:effectRef>
-          <a:fontRef idx="minor">
-            <a:schemeClr val="lt1"/>
-          </a:fontRef>
-        </p:style>
-        <p:txBody>
-          <a:bodyPr rtlCol="0" anchor="ctr"/>
-          <a:lstStyle/>
-          <a:p>
-            <a:pPr algn="ctr"/>
-            <a:r>
-              <a:rPr lang="en-US" sz="1400" dirty="0" smtClean="0">
-                <a:latin typeface="nevis Bold"/>
-                <a:cs typeface="nevis Bold"/>
-              </a:rPr>
-              <a:t>CASE STUDY HERO IMAGE</a:t>
-            </a:r>
-          </a:p>
-          <a:p>
-            <a:pPr algn="ctr"/>
-            <a:r>
-              <a:rPr lang="en-US" sz="1400" dirty="0" smtClean="0">
-                <a:latin typeface="nevis Bold"/>
-                <a:cs typeface="nevis Bold"/>
-              </a:rPr>
-              <a:t>(572W X 449H)</a:t>
-            </a:r>
-            <a:endParaRPr lang="en-US" sz="1400" dirty="0">
-              <a:latin typeface="nevis Bold"/>
-              <a:cs typeface="nevis Bold"/>
-            </a:endParaRPr>
-          </a:p>
-        </p:txBody>
-      </p:sp>
       <p:pic>
         <p:nvPicPr>
-          <p:cNvPr id="4" name="Picture 3" descr="Screen Shot 2015-01-10 at 3.19.06 PM.png"/>
+          <p:cNvPr id="5" name="Picture 4"/>
           <p:cNvPicPr>
             <a:picLocks noChangeAspect="1"/>
           </p:cNvPicPr>
           <p:nvPr/>
         </p:nvPicPr>
         <p:blipFill>
-          <a:blip r:embed="rId2">
-            <a:extLst>
-              <a:ext uri="{28A0092B-C50C-407E-A947-70E740481C1C}">
-                <a14:useLocalDpi xmlns:a14="http://schemas.microsoft.com/office/drawing/2010/main" val="0"/>
-              </a:ext>
-            </a:extLst>
-          </a:blip>
+          <a:blip r:embed="rId2"/>
           <a:stretch>
             <a:fillRect/>
           </a:stretch>
         </p:blipFill>
         <p:spPr>
           <a:xfrm>
-            <a:off x="482600" y="1524000"/>
-            <a:ext cx="8015825" cy="3995900"/>
+            <a:off x="1259004" y="1155701"/>
+            <a:ext cx="6614995" cy="4622800"/>
           </a:xfrm>
           <a:prstGeom prst="rect">
             <a:avLst/>
           </a:prstGeom>
         </p:spPr>
       </p:pic>
-      <p:sp>
-        <p:nvSpPr>
-          <p:cNvPr id="8" name="Rounded Rectangle 7"/>
-          <p:cNvSpPr/>
-          <p:nvPr/>
-        </p:nvSpPr>
-        <p:spPr>
-          <a:xfrm>
-            <a:off x="622300" y="2540000"/>
-            <a:ext cx="3848100" cy="2590800"/>
-          </a:xfrm>
-          <a:prstGeom prst="roundRect">
-            <a:avLst/>
-          </a:prstGeom>
-          <a:noFill/>
-          <a:ln w="38100" cmpd="sng"/>
-        </p:spPr>
-        <p:style>
-          <a:lnRef idx="1">
-            <a:schemeClr val="accent1"/>
-          </a:lnRef>
-          <a:fillRef idx="3">
-            <a:schemeClr val="accent1"/>
-          </a:fillRef>
-          <a:effectRef idx="2">
-            <a:schemeClr val="accent1"/>
-          </a:effectRef>
-          <a:fontRef idx="minor">
-            <a:schemeClr val="lt1"/>
-          </a:fontRef>
-        </p:style>
-        <p:txBody>
-          <a:bodyPr rtlCol="0" anchor="ctr"/>
-          <a:lstStyle/>
-          <a:p>
-            <a:pPr algn="ctr"/>
-            <a:endParaRPr lang="en-US"/>
-          </a:p>
-        </p:txBody>
-      </p:sp>
-      <p:sp>
-        <p:nvSpPr>
-          <p:cNvPr id="9" name="Rounded Rectangle 8"/>
-          <p:cNvSpPr/>
-          <p:nvPr/>
-        </p:nvSpPr>
-        <p:spPr>
-          <a:xfrm>
-            <a:off x="4813300" y="1917700"/>
-            <a:ext cx="3340100" cy="2755900"/>
-          </a:xfrm>
-          <a:prstGeom prst="roundRect">
-            <a:avLst/>
-          </a:prstGeom>
-          <a:noFill/>
-          <a:ln w="38100" cmpd="sng">
-            <a:solidFill>
-              <a:srgbClr val="0000FF"/>
-            </a:solidFill>
-          </a:ln>
-        </p:spPr>
-        <p:style>
-          <a:lnRef idx="1">
-            <a:schemeClr val="accent1"/>
-          </a:lnRef>
-          <a:fillRef idx="3">
-            <a:schemeClr val="accent1"/>
-          </a:fillRef>
-          <a:effectRef idx="2">
-            <a:schemeClr val="accent1"/>
-          </a:effectRef>
-          <a:fontRef idx="minor">
-            <a:schemeClr val="lt1"/>
-          </a:fontRef>
-        </p:style>
-        <p:txBody>
-          <a:bodyPr rtlCol="0" anchor="ctr"/>
-          <a:lstStyle/>
-          <a:p>
-            <a:pPr algn="ctr"/>
-            <a:endParaRPr lang="en-US"/>
-          </a:p>
-        </p:txBody>
-      </p:sp>
-      <p:sp>
-        <p:nvSpPr>
-          <p:cNvPr id="10" name="TextBox 9"/>
-          <p:cNvSpPr txBox="1"/>
-          <p:nvPr/>
-        </p:nvSpPr>
-        <p:spPr>
-          <a:xfrm>
-            <a:off x="1778000" y="2184400"/>
-            <a:ext cx="1511300" cy="406400"/>
-          </a:xfrm>
-          <a:prstGeom prst="rect">
-            <a:avLst/>
-          </a:prstGeom>
-        </p:spPr>
-        <p:txBody>
-          <a:bodyPr vert="horz" wrap="none" lIns="91440" tIns="45720" rIns="91440" bIns="45720" rtlCol="0">
-            <a:normAutofit/>
-          </a:bodyPr>
-          <a:lstStyle/>
-          <a:p>
-            <a:pPr marL="342900" indent="-342900">
-              <a:spcBef>
-                <a:spcPct val="20000"/>
-              </a:spcBef>
-            </a:pPr>
-            <a:r>
-              <a:rPr lang="en-US" sz="1900" cap="all" dirty="0" smtClean="0">
-                <a:latin typeface="nevis Bold"/>
-                <a:cs typeface="nevis Bold"/>
-              </a:rPr>
-              <a:t>Action a</a:t>
-            </a:r>
-            <a:endParaRPr lang="en-US" sz="1900" cap="all" dirty="0" smtClean="0">
-              <a:latin typeface="nevis Bold"/>
-              <a:cs typeface="nevis Bold"/>
-            </a:endParaRPr>
-          </a:p>
-        </p:txBody>
-      </p:sp>
-      <p:sp>
-        <p:nvSpPr>
-          <p:cNvPr id="11" name="TextBox 10"/>
-          <p:cNvSpPr txBox="1"/>
-          <p:nvPr/>
-        </p:nvSpPr>
-        <p:spPr>
-          <a:xfrm>
-            <a:off x="5765800" y="1536700"/>
-            <a:ext cx="1511300" cy="406400"/>
-          </a:xfrm>
-          <a:prstGeom prst="rect">
-            <a:avLst/>
-          </a:prstGeom>
-        </p:spPr>
-        <p:txBody>
-          <a:bodyPr vert="horz" wrap="none" lIns="91440" tIns="45720" rIns="91440" bIns="45720" rtlCol="0">
-            <a:normAutofit/>
-          </a:bodyPr>
-          <a:lstStyle/>
-          <a:p>
-            <a:pPr marL="342900" indent="-342900">
-              <a:spcBef>
-                <a:spcPct val="20000"/>
-              </a:spcBef>
-            </a:pPr>
-            <a:r>
-              <a:rPr lang="en-US" sz="1900" cap="all" dirty="0" smtClean="0">
-                <a:latin typeface="nevis Bold"/>
-                <a:cs typeface="nevis Bold"/>
-              </a:rPr>
-              <a:t>Action B</a:t>
-            </a:r>
-            <a:endParaRPr lang="en-US" sz="1900" cap="all" dirty="0" smtClean="0">
-              <a:latin typeface="nevis Bold"/>
-              <a:cs typeface="nevis Bold"/>
-            </a:endParaRPr>
-          </a:p>
-        </p:txBody>
-      </p:sp>
     </p:spTree>
   </p:cSld>
   <p:clrMapOvr>
@@ -2952,124 +2806,6 @@
 </file>
 
 <file path=ppt/slides/slide7.xml><?xml version="1.0" encoding="utf-8"?>
-<p:sld xmlns:a="http://schemas.openxmlformats.org/drawingml/2006/main" xmlns:r="http://schemas.openxmlformats.org/officeDocument/2006/relationships" xmlns:p="http://schemas.openxmlformats.org/presentationml/2006/main">
-  <p:cSld>
-    <p:spTree>
-      <p:nvGrpSpPr>
-        <p:cNvPr id="1" name=""/>
-        <p:cNvGrpSpPr/>
-        <p:nvPr/>
-      </p:nvGrpSpPr>
-      <p:grpSpPr>
-        <a:xfrm>
-          <a:off x="0" y="0"/>
-          <a:ext cx="0" cy="0"/>
-          <a:chOff x="0" y="0"/>
-          <a:chExt cx="0" cy="0"/>
-        </a:xfrm>
-      </p:grpSpPr>
-      <p:sp>
-        <p:nvSpPr>
-          <p:cNvPr id="2" name="Title Placeholder 1"/>
-          <p:cNvSpPr txBox="1">
-            <a:spLocks/>
-          </p:cNvSpPr>
-          <p:nvPr/>
-        </p:nvSpPr>
-        <p:spPr>
-          <a:xfrm>
-            <a:off x="457200" y="304800"/>
-            <a:ext cx="8305800" cy="762000"/>
-          </a:xfrm>
-          <a:prstGeom prst="rect">
-            <a:avLst/>
-          </a:prstGeom>
-        </p:spPr>
-        <p:txBody>
-          <a:bodyPr vert="horz" wrap="square" lIns="91440" tIns="45720" rIns="91440" bIns="45720" rtlCol="0" anchor="t">
-            <a:noAutofit/>
-          </a:bodyPr>
-          <a:lstStyle/>
-          <a:p>
-            <a:pPr marL="0" marR="0" lvl="0" indent="0" algn="l" defTabSz="457200" rtl="0" eaLnBrk="1" fontAlgn="auto" latinLnBrk="0" hangingPunct="1">
-              <a:lnSpc>
-                <a:spcPts val="6120"/>
-              </a:lnSpc>
-              <a:buClrTx/>
-              <a:buSzTx/>
-              <a:buFontTx/>
-              <a:buNone/>
-              <a:tabLst/>
-              <a:defRPr/>
-            </a:pPr>
-            <a:r>
-              <a:rPr lang="en-US" sz="4800" b="1" cap="all" dirty="0" smtClean="0">
-                <a:solidFill>
-                  <a:srgbClr val="60B9DF"/>
-                </a:solidFill>
-                <a:latin typeface="nevis"/>
-                <a:ea typeface="+mj-ea"/>
-                <a:cs typeface="+mj-cs"/>
-              </a:rPr>
-              <a:t>Other Applications</a:t>
-            </a:r>
-            <a:endParaRPr kumimoji="0" lang="en-US" sz="4800" b="1" i="0" u="none" strike="noStrike" kern="1200" cap="all" spc="0" normalizeH="0" baseline="0" noProof="0" dirty="0">
-              <a:ln>
-                <a:noFill/>
-              </a:ln>
-              <a:solidFill>
-                <a:srgbClr val="60B9DF"/>
-              </a:solidFill>
-              <a:effectLst/>
-              <a:uLnTx/>
-              <a:uFillTx/>
-              <a:latin typeface="nevis"/>
-              <a:ea typeface="+mj-ea"/>
-              <a:cs typeface="+mj-cs"/>
-            </a:endParaRPr>
-          </a:p>
-        </p:txBody>
-      </p:sp>
-      <p:pic>
-        <p:nvPicPr>
-          <p:cNvPr id="5" name="Picture 4"/>
-          <p:cNvPicPr>
-            <a:picLocks noChangeAspect="1"/>
-          </p:cNvPicPr>
-          <p:nvPr/>
-        </p:nvPicPr>
-        <p:blipFill>
-          <a:blip r:embed="rId2"/>
-          <a:stretch>
-            <a:fillRect/>
-          </a:stretch>
-        </p:blipFill>
-        <p:spPr>
-          <a:xfrm>
-            <a:off x="1259004" y="1155701"/>
-            <a:ext cx="6614995" cy="4622800"/>
-          </a:xfrm>
-          <a:prstGeom prst="rect">
-            <a:avLst/>
-          </a:prstGeom>
-        </p:spPr>
-      </p:pic>
-    </p:spTree>
-  </p:cSld>
-  <p:clrMapOvr>
-    <a:masterClrMapping/>
-  </p:clrMapOvr>
-  <p:timing>
-    <p:tnLst>
-      <p:par>
-        <p:cTn xmlns:p14="http://schemas.microsoft.com/office/powerpoint/2010/main" id="1" dur="indefinite" restart="never" nodeType="tmRoot"/>
-      </p:par>
-    </p:tnLst>
-  </p:timing>
-</p:sld>
-</file>
-
-<file path=ppt/slides/slide8.xml><?xml version="1.0" encoding="utf-8"?>
 <p:sld xmlns:a="http://schemas.openxmlformats.org/drawingml/2006/main" xmlns:r="http://schemas.openxmlformats.org/officeDocument/2006/relationships" xmlns:p="http://schemas.openxmlformats.org/presentationml/2006/main">
   <p:cSld>
     <p:spTree>
